--- a/presi/Prese Gruezi15/leiterung.pptx
+++ b/presi/Prese Gruezi15/leiterung.pptx
@@ -6,6 +6,12 @@
   </p:sldMasterIdLst>
   <p:sldIdLst>
     <p:sldId id="256" r:id="rId2"/>
+    <p:sldId id="257" r:id="rId3"/>
+    <p:sldId id="262" r:id="rId4"/>
+    <p:sldId id="258" r:id="rId5"/>
+    <p:sldId id="259" r:id="rId6"/>
+    <p:sldId id="260" r:id="rId7"/>
+    <p:sldId id="261" r:id="rId8"/>
   </p:sldIdLst>
   <p:sldSz cx="9144000" cy="6858000" type="screen4x3"/>
   <p:notesSz cx="6858000" cy="9144000"/>
@@ -288,7 +294,7 @@
           <a:p>
             <a:fld id="{D2958C92-2DAA-4680-BF5B-FC0235EF6719}" type="datetimeFigureOut">
               <a:rPr lang="de-CH" smtClean="0"/>
-              <a:t>14.09.2015</a:t>
+              <a:t>21.09.2015</a:t>
             </a:fld>
             <a:endParaRPr lang="de-CH"/>
           </a:p>
@@ -458,7 +464,7 @@
           <a:p>
             <a:fld id="{D2958C92-2DAA-4680-BF5B-FC0235EF6719}" type="datetimeFigureOut">
               <a:rPr lang="de-CH" smtClean="0"/>
-              <a:t>14.09.2015</a:t>
+              <a:t>21.09.2015</a:t>
             </a:fld>
             <a:endParaRPr lang="de-CH"/>
           </a:p>
@@ -638,7 +644,7 @@
           <a:p>
             <a:fld id="{D2958C92-2DAA-4680-BF5B-FC0235EF6719}" type="datetimeFigureOut">
               <a:rPr lang="de-CH" smtClean="0"/>
-              <a:t>14.09.2015</a:t>
+              <a:t>21.09.2015</a:t>
             </a:fld>
             <a:endParaRPr lang="de-CH"/>
           </a:p>
@@ -808,7 +814,7 @@
           <a:p>
             <a:fld id="{D2958C92-2DAA-4680-BF5B-FC0235EF6719}" type="datetimeFigureOut">
               <a:rPr lang="de-CH" smtClean="0"/>
-              <a:t>14.09.2015</a:t>
+              <a:t>21.09.2015</a:t>
             </a:fld>
             <a:endParaRPr lang="de-CH"/>
           </a:p>
@@ -1054,7 +1060,7 @@
           <a:p>
             <a:fld id="{D2958C92-2DAA-4680-BF5B-FC0235EF6719}" type="datetimeFigureOut">
               <a:rPr lang="de-CH" smtClean="0"/>
-              <a:t>14.09.2015</a:t>
+              <a:t>21.09.2015</a:t>
             </a:fld>
             <a:endParaRPr lang="de-CH"/>
           </a:p>
@@ -1342,7 +1348,7 @@
           <a:p>
             <a:fld id="{D2958C92-2DAA-4680-BF5B-FC0235EF6719}" type="datetimeFigureOut">
               <a:rPr lang="de-CH" smtClean="0"/>
-              <a:t>14.09.2015</a:t>
+              <a:t>21.09.2015</a:t>
             </a:fld>
             <a:endParaRPr lang="de-CH"/>
           </a:p>
@@ -1764,7 +1770,7 @@
           <a:p>
             <a:fld id="{D2958C92-2DAA-4680-BF5B-FC0235EF6719}" type="datetimeFigureOut">
               <a:rPr lang="de-CH" smtClean="0"/>
-              <a:t>14.09.2015</a:t>
+              <a:t>21.09.2015</a:t>
             </a:fld>
             <a:endParaRPr lang="de-CH"/>
           </a:p>
@@ -1882,7 +1888,7 @@
           <a:p>
             <a:fld id="{D2958C92-2DAA-4680-BF5B-FC0235EF6719}" type="datetimeFigureOut">
               <a:rPr lang="de-CH" smtClean="0"/>
-              <a:t>14.09.2015</a:t>
+              <a:t>21.09.2015</a:t>
             </a:fld>
             <a:endParaRPr lang="de-CH"/>
           </a:p>
@@ -1977,7 +1983,7 @@
           <a:p>
             <a:fld id="{D2958C92-2DAA-4680-BF5B-FC0235EF6719}" type="datetimeFigureOut">
               <a:rPr lang="de-CH" smtClean="0"/>
-              <a:t>14.09.2015</a:t>
+              <a:t>21.09.2015</a:t>
             </a:fld>
             <a:endParaRPr lang="de-CH"/>
           </a:p>
@@ -2254,7 +2260,7 @@
           <a:p>
             <a:fld id="{D2958C92-2DAA-4680-BF5B-FC0235EF6719}" type="datetimeFigureOut">
               <a:rPr lang="de-CH" smtClean="0"/>
-              <a:t>14.09.2015</a:t>
+              <a:t>21.09.2015</a:t>
             </a:fld>
             <a:endParaRPr lang="de-CH"/>
           </a:p>
@@ -2507,7 +2513,7 @@
           <a:p>
             <a:fld id="{D2958C92-2DAA-4680-BF5B-FC0235EF6719}" type="datetimeFigureOut">
               <a:rPr lang="de-CH" smtClean="0"/>
-              <a:t>14.09.2015</a:t>
+              <a:t>21.09.2015</a:t>
             </a:fld>
             <a:endParaRPr lang="de-CH"/>
           </a:p>
@@ -2720,7 +2726,7 @@
           <a:p>
             <a:fld id="{D2958C92-2DAA-4680-BF5B-FC0235EF6719}" type="datetimeFigureOut">
               <a:rPr lang="de-CH" smtClean="0"/>
-              <a:t>14.09.2015</a:t>
+              <a:t>21.09.2015</a:t>
             </a:fld>
             <a:endParaRPr lang="de-CH"/>
           </a:p>
@@ -3376,6 +3382,1854 @@
 </p:sld>
 </file>
 
+<file path=ppt/slides/slide2.xml><?xml version="1.0" encoding="utf-8"?>
+<p:sld xmlns:a="http://schemas.openxmlformats.org/drawingml/2006/main" xmlns:r="http://schemas.openxmlformats.org/officeDocument/2006/relationships" xmlns:p="http://schemas.openxmlformats.org/presentationml/2006/main">
+  <p:cSld>
+    <p:spTree>
+      <p:nvGrpSpPr>
+        <p:cNvPr id="1" name=""/>
+        <p:cNvGrpSpPr/>
+        <p:nvPr/>
+      </p:nvGrpSpPr>
+      <p:grpSpPr>
+        <a:xfrm>
+          <a:off x="0" y="0"/>
+          <a:ext cx="0" cy="0"/>
+          <a:chOff x="0" y="0"/>
+          <a:chExt cx="0" cy="0"/>
+        </a:xfrm>
+      </p:grpSpPr>
+      <p:pic>
+        <p:nvPicPr>
+          <p:cNvPr id="4" name="Picture 1"/>
+          <p:cNvPicPr>
+            <a:picLocks noChangeAspect="1" noChangeArrowheads="1"/>
+          </p:cNvPicPr>
+          <p:nvPr/>
+        </p:nvPicPr>
+        <p:blipFill>
+          <a:blip r:embed="rId2" cstate="print">
+            <a:extLst>
+              <a:ext uri="{28A0092B-C50C-407E-A947-70E740481C1C}">
+                <a14:useLocalDpi xmlns:a14="http://schemas.microsoft.com/office/drawing/2010/main" val="0"/>
+              </a:ext>
+            </a:extLst>
+          </a:blip>
+          <a:srcRect/>
+          <a:stretch>
+            <a:fillRect/>
+          </a:stretch>
+        </p:blipFill>
+        <p:spPr bwMode="auto">
+          <a:xfrm>
+            <a:off x="179512" y="1340768"/>
+            <a:ext cx="4264748" cy="2300912"/>
+          </a:xfrm>
+          <a:prstGeom prst="rect">
+            <a:avLst/>
+          </a:prstGeom>
+          <a:noFill/>
+          <a:ln>
+            <a:noFill/>
+          </a:ln>
+          <a:effectLst/>
+          <a:extLst>
+            <a:ext uri="{909E8E84-426E-40DD-AFC4-6F175D3DCCD1}">
+              <a14:hiddenFill xmlns:a14="http://schemas.microsoft.com/office/drawing/2010/main">
+                <a:solidFill>
+                  <a:schemeClr val="accent1"/>
+                </a:solidFill>
+              </a14:hiddenFill>
+            </a:ext>
+            <a:ext uri="{91240B29-F687-4F45-9708-019B960494DF}">
+              <a14:hiddenLine xmlns:a14="http://schemas.microsoft.com/office/drawing/2010/main" w="9525">
+                <a:solidFill>
+                  <a:schemeClr val="tx1"/>
+                </a:solidFill>
+                <a:miter lim="800000"/>
+                <a:headEnd/>
+                <a:tailEnd/>
+              </a14:hiddenLine>
+            </a:ext>
+            <a:ext uri="{AF507438-7753-43E0-B8FC-AC1667EBCBE1}">
+              <a14:hiddenEffects xmlns:a14="http://schemas.microsoft.com/office/drawing/2010/main">
+                <a:effectLst>
+                  <a:outerShdw dist="35921" dir="2700000" algn="ctr" rotWithShape="0">
+                    <a:schemeClr val="bg2"/>
+                  </a:outerShdw>
+                </a:effectLst>
+              </a14:hiddenEffects>
+            </a:ext>
+          </a:extLst>
+        </p:spPr>
+      </p:pic>
+      <p:sp>
+        <p:nvSpPr>
+          <p:cNvPr id="5" name="Oval 4"/>
+          <p:cNvSpPr/>
+          <p:nvPr/>
+        </p:nvSpPr>
+        <p:spPr>
+          <a:xfrm>
+            <a:off x="2555776" y="2012905"/>
+            <a:ext cx="244036" cy="119951"/>
+          </a:xfrm>
+          <a:prstGeom prst="ellipse">
+            <a:avLst/>
+          </a:prstGeom>
+          <a:noFill/>
+          <a:ln>
+            <a:solidFill>
+              <a:srgbClr val="FF0000"/>
+            </a:solidFill>
+          </a:ln>
+        </p:spPr>
+        <p:style>
+          <a:lnRef idx="2">
+            <a:schemeClr val="accent1">
+              <a:shade val="50000"/>
+            </a:schemeClr>
+          </a:lnRef>
+          <a:fillRef idx="1">
+            <a:schemeClr val="accent1"/>
+          </a:fillRef>
+          <a:effectRef idx="0">
+            <a:schemeClr val="accent1"/>
+          </a:effectRef>
+          <a:fontRef idx="minor">
+            <a:schemeClr val="lt1"/>
+          </a:fontRef>
+        </p:style>
+        <p:txBody>
+          <a:bodyPr rtlCol="0" anchor="ctr"/>
+          <a:lstStyle/>
+          <a:p>
+            <a:pPr algn="ctr"/>
+            <a:endParaRPr lang="de-CH"/>
+          </a:p>
+        </p:txBody>
+      </p:sp>
+      <p:sp>
+        <p:nvSpPr>
+          <p:cNvPr id="6" name="Oval 5"/>
+          <p:cNvSpPr/>
+          <p:nvPr/>
+        </p:nvSpPr>
+        <p:spPr>
+          <a:xfrm>
+            <a:off x="1979712" y="2243019"/>
+            <a:ext cx="244036" cy="192280"/>
+          </a:xfrm>
+          <a:prstGeom prst="ellipse">
+            <a:avLst/>
+          </a:prstGeom>
+          <a:noFill/>
+          <a:ln>
+            <a:solidFill>
+              <a:srgbClr val="FF0000"/>
+            </a:solidFill>
+          </a:ln>
+        </p:spPr>
+        <p:style>
+          <a:lnRef idx="2">
+            <a:schemeClr val="accent1">
+              <a:shade val="50000"/>
+            </a:schemeClr>
+          </a:lnRef>
+          <a:fillRef idx="1">
+            <a:schemeClr val="accent1"/>
+          </a:fillRef>
+          <a:effectRef idx="0">
+            <a:schemeClr val="accent1"/>
+          </a:effectRef>
+          <a:fontRef idx="minor">
+            <a:schemeClr val="lt1"/>
+          </a:fontRef>
+        </p:style>
+        <p:txBody>
+          <a:bodyPr rtlCol="0" anchor="ctr"/>
+          <a:lstStyle/>
+          <a:p>
+            <a:pPr algn="ctr"/>
+            <a:endParaRPr lang="de-CH"/>
+          </a:p>
+        </p:txBody>
+      </p:sp>
+      <p:sp>
+        <p:nvSpPr>
+          <p:cNvPr id="7" name="Oval 6"/>
+          <p:cNvSpPr/>
+          <p:nvPr/>
+        </p:nvSpPr>
+        <p:spPr>
+          <a:xfrm>
+            <a:off x="2915816" y="2491224"/>
+            <a:ext cx="244036" cy="119951"/>
+          </a:xfrm>
+          <a:prstGeom prst="ellipse">
+            <a:avLst/>
+          </a:prstGeom>
+          <a:noFill/>
+          <a:ln>
+            <a:solidFill>
+              <a:srgbClr val="FF0000"/>
+            </a:solidFill>
+          </a:ln>
+        </p:spPr>
+        <p:style>
+          <a:lnRef idx="2">
+            <a:schemeClr val="accent1">
+              <a:shade val="50000"/>
+            </a:schemeClr>
+          </a:lnRef>
+          <a:fillRef idx="1">
+            <a:schemeClr val="accent1"/>
+          </a:fillRef>
+          <a:effectRef idx="0">
+            <a:schemeClr val="accent1"/>
+          </a:effectRef>
+          <a:fontRef idx="minor">
+            <a:schemeClr val="lt1"/>
+          </a:fontRef>
+        </p:style>
+        <p:txBody>
+          <a:bodyPr rtlCol="0" anchor="ctr"/>
+          <a:lstStyle/>
+          <a:p>
+            <a:pPr algn="ctr"/>
+            <a:endParaRPr lang="de-CH"/>
+          </a:p>
+        </p:txBody>
+      </p:sp>
+      <p:pic>
+        <p:nvPicPr>
+          <p:cNvPr id="1026" name="Picture 2"/>
+          <p:cNvPicPr>
+            <a:picLocks noChangeAspect="1" noChangeArrowheads="1"/>
+          </p:cNvPicPr>
+          <p:nvPr/>
+        </p:nvPicPr>
+        <p:blipFill>
+          <a:blip r:embed="rId3">
+            <a:extLst>
+              <a:ext uri="{28A0092B-C50C-407E-A947-70E740481C1C}">
+                <a14:useLocalDpi xmlns:a14="http://schemas.microsoft.com/office/drawing/2010/main" val="0"/>
+              </a:ext>
+            </a:extLst>
+          </a:blip>
+          <a:srcRect/>
+          <a:stretch>
+            <a:fillRect/>
+          </a:stretch>
+        </p:blipFill>
+        <p:spPr bwMode="auto">
+          <a:xfrm>
+            <a:off x="4716016" y="1445894"/>
+            <a:ext cx="3807815" cy="2195786"/>
+          </a:xfrm>
+          <a:prstGeom prst="rect">
+            <a:avLst/>
+          </a:prstGeom>
+          <a:noFill/>
+          <a:ln>
+            <a:noFill/>
+          </a:ln>
+          <a:extLst>
+            <a:ext uri="{909E8E84-426E-40DD-AFC4-6F175D3DCCD1}">
+              <a14:hiddenFill xmlns:a14="http://schemas.microsoft.com/office/drawing/2010/main">
+                <a:solidFill>
+                  <a:schemeClr val="accent1"/>
+                </a:solidFill>
+              </a14:hiddenFill>
+            </a:ext>
+            <a:ext uri="{91240B29-F687-4F45-9708-019B960494DF}">
+              <a14:hiddenLine xmlns:a14="http://schemas.microsoft.com/office/drawing/2010/main" w="9525">
+                <a:solidFill>
+                  <a:schemeClr val="tx1"/>
+                </a:solidFill>
+                <a:miter lim="800000"/>
+                <a:headEnd/>
+                <a:tailEnd/>
+              </a14:hiddenLine>
+            </a:ext>
+          </a:extLst>
+        </p:spPr>
+      </p:pic>
+      <p:pic>
+        <p:nvPicPr>
+          <p:cNvPr id="1027" name="Picture 3"/>
+          <p:cNvPicPr>
+            <a:picLocks noChangeAspect="1" noChangeArrowheads="1"/>
+          </p:cNvPicPr>
+          <p:nvPr/>
+        </p:nvPicPr>
+        <p:blipFill>
+          <a:blip r:embed="rId4">
+            <a:extLst>
+              <a:ext uri="{28A0092B-C50C-407E-A947-70E740481C1C}">
+                <a14:useLocalDpi xmlns:a14="http://schemas.microsoft.com/office/drawing/2010/main" val="0"/>
+              </a:ext>
+            </a:extLst>
+          </a:blip>
+          <a:srcRect/>
+          <a:stretch>
+            <a:fillRect/>
+          </a:stretch>
+        </p:blipFill>
+        <p:spPr bwMode="auto">
+          <a:xfrm>
+            <a:off x="675634" y="4221088"/>
+            <a:ext cx="2362200" cy="2219325"/>
+          </a:xfrm>
+          <a:prstGeom prst="rect">
+            <a:avLst/>
+          </a:prstGeom>
+          <a:noFill/>
+          <a:ln>
+            <a:noFill/>
+          </a:ln>
+          <a:extLst>
+            <a:ext uri="{909E8E84-426E-40DD-AFC4-6F175D3DCCD1}">
+              <a14:hiddenFill xmlns:a14="http://schemas.microsoft.com/office/drawing/2010/main">
+                <a:solidFill>
+                  <a:schemeClr val="accent1"/>
+                </a:solidFill>
+              </a14:hiddenFill>
+            </a:ext>
+            <a:ext uri="{91240B29-F687-4F45-9708-019B960494DF}">
+              <a14:hiddenLine xmlns:a14="http://schemas.microsoft.com/office/drawing/2010/main" w="9525">
+                <a:solidFill>
+                  <a:schemeClr val="tx1"/>
+                </a:solidFill>
+                <a:miter lim="800000"/>
+                <a:headEnd/>
+                <a:tailEnd/>
+              </a14:hiddenLine>
+            </a:ext>
+          </a:extLst>
+        </p:spPr>
+      </p:pic>
+      <p:pic>
+        <p:nvPicPr>
+          <p:cNvPr id="10" name="Picture 10" descr="\\eaw-homedirs\friedrma$\Desktop\Fotos\Laborwoche 2\IMG_0936.jpg"/>
+          <p:cNvPicPr>
+            <a:picLocks noChangeAspect="1" noChangeArrowheads="1"/>
+          </p:cNvPicPr>
+          <p:nvPr/>
+        </p:nvPicPr>
+        <p:blipFill>
+          <a:blip r:embed="rId5" cstate="print">
+            <a:extLst>
+              <a:ext uri="{28A0092B-C50C-407E-A947-70E740481C1C}">
+                <a14:useLocalDpi xmlns:a14="http://schemas.microsoft.com/office/drawing/2010/main" val="0"/>
+              </a:ext>
+            </a:extLst>
+          </a:blip>
+          <a:srcRect/>
+          <a:stretch>
+            <a:fillRect/>
+          </a:stretch>
+        </p:blipFill>
+        <p:spPr bwMode="auto">
+          <a:xfrm>
+            <a:off x="6156176" y="3603096"/>
+            <a:ext cx="2374902" cy="1781176"/>
+          </a:xfrm>
+          <a:prstGeom prst="rect">
+            <a:avLst/>
+          </a:prstGeom>
+          <a:noFill/>
+          <a:extLst>
+            <a:ext uri="{909E8E84-426E-40DD-AFC4-6F175D3DCCD1}">
+              <a14:hiddenFill xmlns:a14="http://schemas.microsoft.com/office/drawing/2010/main">
+                <a:solidFill>
+                  <a:srgbClr val="FFFFFF"/>
+                </a:solidFill>
+              </a14:hiddenFill>
+            </a:ext>
+          </a:extLst>
+        </p:spPr>
+      </p:pic>
+      <p:pic>
+        <p:nvPicPr>
+          <p:cNvPr id="13" name="Picture 2" descr="C:\Users\petere\Documents\9IX_PM Meth Stats\Prese Gruezi15\ex.PNG"/>
+          <p:cNvPicPr>
+            <a:picLocks noChangeAspect="1" noChangeArrowheads="1"/>
+          </p:cNvPicPr>
+          <p:nvPr/>
+        </p:nvPicPr>
+        <p:blipFill>
+          <a:blip r:embed="rId6">
+            <a:extLst>
+              <a:ext uri="{28A0092B-C50C-407E-A947-70E740481C1C}">
+                <a14:useLocalDpi xmlns:a14="http://schemas.microsoft.com/office/drawing/2010/main" val="0"/>
+              </a:ext>
+            </a:extLst>
+          </a:blip>
+          <a:srcRect/>
+          <a:stretch>
+            <a:fillRect/>
+          </a:stretch>
+        </p:blipFill>
+        <p:spPr bwMode="auto">
+          <a:xfrm>
+            <a:off x="3563888" y="3641680"/>
+            <a:ext cx="2057381" cy="3086072"/>
+          </a:xfrm>
+          <a:prstGeom prst="rect">
+            <a:avLst/>
+          </a:prstGeom>
+          <a:noFill/>
+          <a:extLst>
+            <a:ext uri="{909E8E84-426E-40DD-AFC4-6F175D3DCCD1}">
+              <a14:hiddenFill xmlns:a14="http://schemas.microsoft.com/office/drawing/2010/main">
+                <a:solidFill>
+                  <a:srgbClr val="FFFFFF"/>
+                </a:solidFill>
+              </a14:hiddenFill>
+            </a:ext>
+          </a:extLst>
+        </p:spPr>
+      </p:pic>
+    </p:spTree>
+    <p:extLst>
+      <p:ext uri="{BB962C8B-B14F-4D97-AF65-F5344CB8AC3E}">
+        <p14:creationId xmlns:p14="http://schemas.microsoft.com/office/powerpoint/2010/main" val="492215335"/>
+      </p:ext>
+    </p:extLst>
+  </p:cSld>
+  <p:clrMapOvr>
+    <a:masterClrMapping/>
+  </p:clrMapOvr>
+</p:sld>
+</file>
+
+<file path=ppt/slides/slide3.xml><?xml version="1.0" encoding="utf-8"?>
+<p:sld xmlns:a="http://schemas.openxmlformats.org/drawingml/2006/main" xmlns:r="http://schemas.openxmlformats.org/officeDocument/2006/relationships" xmlns:p="http://schemas.openxmlformats.org/presentationml/2006/main">
+  <p:cSld>
+    <p:spTree>
+      <p:nvGrpSpPr>
+        <p:cNvPr id="1" name=""/>
+        <p:cNvGrpSpPr/>
+        <p:nvPr/>
+      </p:nvGrpSpPr>
+      <p:grpSpPr>
+        <a:xfrm>
+          <a:off x="0" y="0"/>
+          <a:ext cx="0" cy="0"/>
+          <a:chOff x="0" y="0"/>
+          <a:chExt cx="0" cy="0"/>
+        </a:xfrm>
+      </p:grpSpPr>
+      <p:pic>
+        <p:nvPicPr>
+          <p:cNvPr id="4" name="Picture 1"/>
+          <p:cNvPicPr>
+            <a:picLocks noChangeAspect="1" noChangeArrowheads="1"/>
+          </p:cNvPicPr>
+          <p:nvPr/>
+        </p:nvPicPr>
+        <p:blipFill>
+          <a:blip r:embed="rId2" cstate="print">
+            <a:extLst>
+              <a:ext uri="{28A0092B-C50C-407E-A947-70E740481C1C}">
+                <a14:useLocalDpi xmlns:a14="http://schemas.microsoft.com/office/drawing/2010/main" val="0"/>
+              </a:ext>
+            </a:extLst>
+          </a:blip>
+          <a:srcRect/>
+          <a:stretch>
+            <a:fillRect/>
+          </a:stretch>
+        </p:blipFill>
+        <p:spPr bwMode="auto">
+          <a:xfrm>
+            <a:off x="179512" y="1340768"/>
+            <a:ext cx="4264748" cy="2300912"/>
+          </a:xfrm>
+          <a:prstGeom prst="rect">
+            <a:avLst/>
+          </a:prstGeom>
+          <a:noFill/>
+          <a:ln>
+            <a:noFill/>
+          </a:ln>
+          <a:effectLst/>
+          <a:extLst>
+            <a:ext uri="{909E8E84-426E-40DD-AFC4-6F175D3DCCD1}">
+              <a14:hiddenFill xmlns:a14="http://schemas.microsoft.com/office/drawing/2010/main">
+                <a:solidFill>
+                  <a:schemeClr val="accent1"/>
+                </a:solidFill>
+              </a14:hiddenFill>
+            </a:ext>
+            <a:ext uri="{91240B29-F687-4F45-9708-019B960494DF}">
+              <a14:hiddenLine xmlns:a14="http://schemas.microsoft.com/office/drawing/2010/main" w="9525">
+                <a:solidFill>
+                  <a:schemeClr val="tx1"/>
+                </a:solidFill>
+                <a:miter lim="800000"/>
+                <a:headEnd/>
+                <a:tailEnd/>
+              </a14:hiddenLine>
+            </a:ext>
+            <a:ext uri="{AF507438-7753-43E0-B8FC-AC1667EBCBE1}">
+              <a14:hiddenEffects xmlns:a14="http://schemas.microsoft.com/office/drawing/2010/main">
+                <a:effectLst>
+                  <a:outerShdw dist="35921" dir="2700000" algn="ctr" rotWithShape="0">
+                    <a:schemeClr val="bg2"/>
+                  </a:outerShdw>
+                </a:effectLst>
+              </a14:hiddenEffects>
+            </a:ext>
+          </a:extLst>
+        </p:spPr>
+      </p:pic>
+      <p:sp>
+        <p:nvSpPr>
+          <p:cNvPr id="5" name="Oval 4"/>
+          <p:cNvSpPr/>
+          <p:nvPr/>
+        </p:nvSpPr>
+        <p:spPr>
+          <a:xfrm>
+            <a:off x="2555776" y="2012905"/>
+            <a:ext cx="244036" cy="119951"/>
+          </a:xfrm>
+          <a:prstGeom prst="ellipse">
+            <a:avLst/>
+          </a:prstGeom>
+          <a:noFill/>
+          <a:ln>
+            <a:solidFill>
+              <a:srgbClr val="FF0000"/>
+            </a:solidFill>
+          </a:ln>
+        </p:spPr>
+        <p:style>
+          <a:lnRef idx="2">
+            <a:schemeClr val="accent1">
+              <a:shade val="50000"/>
+            </a:schemeClr>
+          </a:lnRef>
+          <a:fillRef idx="1">
+            <a:schemeClr val="accent1"/>
+          </a:fillRef>
+          <a:effectRef idx="0">
+            <a:schemeClr val="accent1"/>
+          </a:effectRef>
+          <a:fontRef idx="minor">
+            <a:schemeClr val="lt1"/>
+          </a:fontRef>
+        </p:style>
+        <p:txBody>
+          <a:bodyPr rtlCol="0" anchor="ctr"/>
+          <a:lstStyle/>
+          <a:p>
+            <a:pPr algn="ctr"/>
+            <a:endParaRPr lang="de-CH"/>
+          </a:p>
+        </p:txBody>
+      </p:sp>
+      <p:sp>
+        <p:nvSpPr>
+          <p:cNvPr id="6" name="Oval 5"/>
+          <p:cNvSpPr/>
+          <p:nvPr/>
+        </p:nvSpPr>
+        <p:spPr>
+          <a:xfrm>
+            <a:off x="1979712" y="2243019"/>
+            <a:ext cx="244036" cy="192280"/>
+          </a:xfrm>
+          <a:prstGeom prst="ellipse">
+            <a:avLst/>
+          </a:prstGeom>
+          <a:noFill/>
+          <a:ln>
+            <a:solidFill>
+              <a:srgbClr val="FF0000"/>
+            </a:solidFill>
+          </a:ln>
+        </p:spPr>
+        <p:style>
+          <a:lnRef idx="2">
+            <a:schemeClr val="accent1">
+              <a:shade val="50000"/>
+            </a:schemeClr>
+          </a:lnRef>
+          <a:fillRef idx="1">
+            <a:schemeClr val="accent1"/>
+          </a:fillRef>
+          <a:effectRef idx="0">
+            <a:schemeClr val="accent1"/>
+          </a:effectRef>
+          <a:fontRef idx="minor">
+            <a:schemeClr val="lt1"/>
+          </a:fontRef>
+        </p:style>
+        <p:txBody>
+          <a:bodyPr rtlCol="0" anchor="ctr"/>
+          <a:lstStyle/>
+          <a:p>
+            <a:pPr algn="ctr"/>
+            <a:endParaRPr lang="de-CH"/>
+          </a:p>
+        </p:txBody>
+      </p:sp>
+      <p:sp>
+        <p:nvSpPr>
+          <p:cNvPr id="7" name="Oval 6"/>
+          <p:cNvSpPr/>
+          <p:nvPr/>
+        </p:nvSpPr>
+        <p:spPr>
+          <a:xfrm>
+            <a:off x="2915816" y="2491224"/>
+            <a:ext cx="244036" cy="119951"/>
+          </a:xfrm>
+          <a:prstGeom prst="ellipse">
+            <a:avLst/>
+          </a:prstGeom>
+          <a:noFill/>
+          <a:ln>
+            <a:solidFill>
+              <a:srgbClr val="FF0000"/>
+            </a:solidFill>
+          </a:ln>
+        </p:spPr>
+        <p:style>
+          <a:lnRef idx="2">
+            <a:schemeClr val="accent1">
+              <a:shade val="50000"/>
+            </a:schemeClr>
+          </a:lnRef>
+          <a:fillRef idx="1">
+            <a:schemeClr val="accent1"/>
+          </a:fillRef>
+          <a:effectRef idx="0">
+            <a:schemeClr val="accent1"/>
+          </a:effectRef>
+          <a:fontRef idx="minor">
+            <a:schemeClr val="lt1"/>
+          </a:fontRef>
+        </p:style>
+        <p:txBody>
+          <a:bodyPr rtlCol="0" anchor="ctr"/>
+          <a:lstStyle/>
+          <a:p>
+            <a:pPr algn="ctr"/>
+            <a:endParaRPr lang="de-CH"/>
+          </a:p>
+        </p:txBody>
+      </p:sp>
+      <p:pic>
+        <p:nvPicPr>
+          <p:cNvPr id="1026" name="Picture 2"/>
+          <p:cNvPicPr>
+            <a:picLocks noChangeAspect="1" noChangeArrowheads="1"/>
+          </p:cNvPicPr>
+          <p:nvPr/>
+        </p:nvPicPr>
+        <p:blipFill>
+          <a:blip r:embed="rId3">
+            <a:extLst>
+              <a:ext uri="{28A0092B-C50C-407E-A947-70E740481C1C}">
+                <a14:useLocalDpi xmlns:a14="http://schemas.microsoft.com/office/drawing/2010/main" val="0"/>
+              </a:ext>
+            </a:extLst>
+          </a:blip>
+          <a:srcRect/>
+          <a:stretch>
+            <a:fillRect/>
+          </a:stretch>
+        </p:blipFill>
+        <p:spPr bwMode="auto">
+          <a:xfrm>
+            <a:off x="4716016" y="1445894"/>
+            <a:ext cx="3807815" cy="2195786"/>
+          </a:xfrm>
+          <a:prstGeom prst="rect">
+            <a:avLst/>
+          </a:prstGeom>
+          <a:noFill/>
+          <a:ln>
+            <a:noFill/>
+          </a:ln>
+          <a:extLst>
+            <a:ext uri="{909E8E84-426E-40DD-AFC4-6F175D3DCCD1}">
+              <a14:hiddenFill xmlns:a14="http://schemas.microsoft.com/office/drawing/2010/main">
+                <a:solidFill>
+                  <a:schemeClr val="accent1"/>
+                </a:solidFill>
+              </a14:hiddenFill>
+            </a:ext>
+            <a:ext uri="{91240B29-F687-4F45-9708-019B960494DF}">
+              <a14:hiddenLine xmlns:a14="http://schemas.microsoft.com/office/drawing/2010/main" w="9525">
+                <a:solidFill>
+                  <a:schemeClr val="tx1"/>
+                </a:solidFill>
+                <a:miter lim="800000"/>
+                <a:headEnd/>
+                <a:tailEnd/>
+              </a14:hiddenLine>
+            </a:ext>
+          </a:extLst>
+        </p:spPr>
+      </p:pic>
+      <p:pic>
+        <p:nvPicPr>
+          <p:cNvPr id="1027" name="Picture 3"/>
+          <p:cNvPicPr>
+            <a:picLocks noChangeAspect="1" noChangeArrowheads="1"/>
+          </p:cNvPicPr>
+          <p:nvPr/>
+        </p:nvPicPr>
+        <p:blipFill>
+          <a:blip r:embed="rId4">
+            <a:extLst>
+              <a:ext uri="{28A0092B-C50C-407E-A947-70E740481C1C}">
+                <a14:useLocalDpi xmlns:a14="http://schemas.microsoft.com/office/drawing/2010/main" val="0"/>
+              </a:ext>
+            </a:extLst>
+          </a:blip>
+          <a:srcRect/>
+          <a:stretch>
+            <a:fillRect/>
+          </a:stretch>
+        </p:blipFill>
+        <p:spPr bwMode="auto">
+          <a:xfrm>
+            <a:off x="675634" y="4221088"/>
+            <a:ext cx="2362200" cy="2219325"/>
+          </a:xfrm>
+          <a:prstGeom prst="rect">
+            <a:avLst/>
+          </a:prstGeom>
+          <a:noFill/>
+          <a:ln>
+            <a:noFill/>
+          </a:ln>
+          <a:extLst>
+            <a:ext uri="{909E8E84-426E-40DD-AFC4-6F175D3DCCD1}">
+              <a14:hiddenFill xmlns:a14="http://schemas.microsoft.com/office/drawing/2010/main">
+                <a:solidFill>
+                  <a:schemeClr val="accent1"/>
+                </a:solidFill>
+              </a14:hiddenFill>
+            </a:ext>
+            <a:ext uri="{91240B29-F687-4F45-9708-019B960494DF}">
+              <a14:hiddenLine xmlns:a14="http://schemas.microsoft.com/office/drawing/2010/main" w="9525">
+                <a:solidFill>
+                  <a:schemeClr val="tx1"/>
+                </a:solidFill>
+                <a:miter lim="800000"/>
+                <a:headEnd/>
+                <a:tailEnd/>
+              </a14:hiddenLine>
+            </a:ext>
+          </a:extLst>
+        </p:spPr>
+      </p:pic>
+      <p:pic>
+        <p:nvPicPr>
+          <p:cNvPr id="10" name="Picture 10" descr="\\eaw-homedirs\friedrma$\Desktop\Fotos\Laborwoche 2\IMG_0936.jpg"/>
+          <p:cNvPicPr>
+            <a:picLocks noChangeAspect="1" noChangeArrowheads="1"/>
+          </p:cNvPicPr>
+          <p:nvPr/>
+        </p:nvPicPr>
+        <p:blipFill>
+          <a:blip r:embed="rId5" cstate="print">
+            <a:extLst>
+              <a:ext uri="{28A0092B-C50C-407E-A947-70E740481C1C}">
+                <a14:useLocalDpi xmlns:a14="http://schemas.microsoft.com/office/drawing/2010/main" val="0"/>
+              </a:ext>
+            </a:extLst>
+          </a:blip>
+          <a:srcRect/>
+          <a:stretch>
+            <a:fillRect/>
+          </a:stretch>
+        </p:blipFill>
+        <p:spPr bwMode="auto">
+          <a:xfrm>
+            <a:off x="6156176" y="3603096"/>
+            <a:ext cx="2374902" cy="1781176"/>
+          </a:xfrm>
+          <a:prstGeom prst="rect">
+            <a:avLst/>
+          </a:prstGeom>
+          <a:noFill/>
+          <a:extLst>
+            <a:ext uri="{909E8E84-426E-40DD-AFC4-6F175D3DCCD1}">
+              <a14:hiddenFill xmlns:a14="http://schemas.microsoft.com/office/drawing/2010/main">
+                <a:solidFill>
+                  <a:srgbClr val="FFFFFF"/>
+                </a:solidFill>
+              </a14:hiddenFill>
+            </a:ext>
+          </a:extLst>
+        </p:spPr>
+      </p:pic>
+      <p:sp>
+        <p:nvSpPr>
+          <p:cNvPr id="11" name="Content Placeholder 1"/>
+          <p:cNvSpPr>
+            <a:spLocks noGrp="1"/>
+          </p:cNvSpPr>
+          <p:nvPr>
+            <p:ph idx="1"/>
+          </p:nvPr>
+        </p:nvSpPr>
+        <p:spPr>
+          <a:xfrm>
+            <a:off x="3178156" y="4752373"/>
+            <a:ext cx="5112692" cy="2133048"/>
+          </a:xfrm>
+        </p:spPr>
+        <p:txBody>
+          <a:bodyPr>
+            <a:normAutofit fontScale="32500" lnSpcReduction="20000"/>
+          </a:bodyPr>
+          <a:lstStyle/>
+          <a:p>
+            <a:pPr marL="0" indent="0">
+              <a:buNone/>
+            </a:pPr>
+            <a:r>
+              <a:rPr lang="de-CH" dirty="0" err="1" smtClean="0"/>
+              <a:t>Dear</a:t>
+            </a:r>
+            <a:r>
+              <a:rPr lang="de-CH" dirty="0" smtClean="0"/>
+              <a:t> </a:t>
+            </a:r>
+            <a:r>
+              <a:rPr lang="de-CH" dirty="0" err="1" smtClean="0"/>
+              <a:t>Author</a:t>
+            </a:r>
+            <a:r>
+              <a:rPr lang="de-CH" dirty="0" smtClean="0"/>
+              <a:t>,</a:t>
+            </a:r>
+          </a:p>
+          <a:p>
+            <a:pPr marL="0" indent="0">
+              <a:buNone/>
+            </a:pPr>
+            <a:endParaRPr lang="de-CH" dirty="0" smtClean="0"/>
+          </a:p>
+          <a:p>
+            <a:pPr marL="0" indent="0">
+              <a:buNone/>
+            </a:pPr>
+            <a:r>
+              <a:rPr lang="de-CH" dirty="0" err="1" smtClean="0"/>
+              <a:t>You</a:t>
+            </a:r>
+            <a:r>
+              <a:rPr lang="de-CH" dirty="0" smtClean="0"/>
+              <a:t> </a:t>
+            </a:r>
+            <a:r>
+              <a:rPr lang="de-CH" dirty="0" err="1" smtClean="0"/>
+              <a:t>call</a:t>
+            </a:r>
+            <a:r>
+              <a:rPr lang="de-CH" dirty="0" smtClean="0"/>
+              <a:t> </a:t>
+            </a:r>
+            <a:r>
+              <a:rPr lang="de-CH" dirty="0" err="1" smtClean="0"/>
+              <a:t>this</a:t>
+            </a:r>
+            <a:r>
+              <a:rPr lang="de-CH" dirty="0" smtClean="0"/>
+              <a:t> </a:t>
+            </a:r>
+            <a:r>
+              <a:rPr lang="de-CH" dirty="0" err="1" smtClean="0"/>
+              <a:t>research</a:t>
+            </a:r>
+            <a:r>
+              <a:rPr lang="de-CH" dirty="0" smtClean="0"/>
+              <a:t>, I </a:t>
+            </a:r>
+            <a:r>
+              <a:rPr lang="de-CH" dirty="0" err="1" smtClean="0"/>
+              <a:t>call</a:t>
+            </a:r>
+            <a:r>
+              <a:rPr lang="de-CH" dirty="0" smtClean="0"/>
+              <a:t> </a:t>
+            </a:r>
+            <a:r>
+              <a:rPr lang="de-CH" dirty="0" err="1" smtClean="0"/>
+              <a:t>it</a:t>
+            </a:r>
+            <a:r>
+              <a:rPr lang="de-CH" dirty="0" smtClean="0"/>
+              <a:t> </a:t>
+            </a:r>
+            <a:r>
+              <a:rPr lang="de-CH" dirty="0" err="1" smtClean="0"/>
+              <a:t>shit</a:t>
+            </a:r>
+            <a:r>
+              <a:rPr lang="de-CH" dirty="0" smtClean="0"/>
+              <a:t>, </a:t>
+            </a:r>
+            <a:r>
+              <a:rPr lang="de-CH" dirty="0" err="1" smtClean="0"/>
+              <a:t>and</a:t>
+            </a:r>
+            <a:r>
+              <a:rPr lang="de-CH" dirty="0" smtClean="0"/>
+              <a:t> I </a:t>
+            </a:r>
+            <a:r>
+              <a:rPr lang="de-CH" dirty="0" err="1" smtClean="0"/>
+              <a:t>tell</a:t>
+            </a:r>
+            <a:r>
+              <a:rPr lang="de-CH" dirty="0" smtClean="0"/>
+              <a:t> </a:t>
+            </a:r>
+            <a:r>
+              <a:rPr lang="de-CH" dirty="0" err="1" smtClean="0"/>
+              <a:t>you</a:t>
+            </a:r>
+            <a:r>
+              <a:rPr lang="de-CH" dirty="0" smtClean="0"/>
+              <a:t> </a:t>
+            </a:r>
+            <a:r>
+              <a:rPr lang="de-CH" dirty="0" err="1" smtClean="0"/>
+              <a:t>why</a:t>
+            </a:r>
+            <a:r>
+              <a:rPr lang="de-CH" dirty="0" smtClean="0"/>
+              <a:t>. </a:t>
+            </a:r>
+          </a:p>
+          <a:p>
+            <a:pPr marL="0" indent="0">
+              <a:buNone/>
+            </a:pPr>
+            <a:endParaRPr lang="de-CH" dirty="0"/>
+          </a:p>
+          <a:p>
+            <a:pPr marL="0" indent="0">
+              <a:buNone/>
+            </a:pPr>
+            <a:r>
+              <a:rPr lang="de-CH" dirty="0" smtClean="0"/>
+              <a:t>… </a:t>
+            </a:r>
+            <a:r>
+              <a:rPr lang="de-CH" dirty="0" err="1" smtClean="0"/>
+              <a:t>Being</a:t>
+            </a:r>
+            <a:r>
+              <a:rPr lang="de-CH" dirty="0" smtClean="0"/>
+              <a:t> </a:t>
+            </a:r>
+            <a:r>
+              <a:rPr lang="de-CH" dirty="0" err="1" smtClean="0"/>
+              <a:t>suspicious</a:t>
+            </a:r>
+            <a:r>
+              <a:rPr lang="de-CH" dirty="0" smtClean="0"/>
+              <a:t> </a:t>
+            </a:r>
+            <a:r>
+              <a:rPr lang="de-CH" dirty="0" err="1" smtClean="0"/>
+              <a:t>about</a:t>
+            </a:r>
+            <a:r>
+              <a:rPr lang="de-CH" dirty="0" smtClean="0"/>
+              <a:t> </a:t>
+            </a:r>
+            <a:r>
+              <a:rPr lang="de-CH" dirty="0" err="1" smtClean="0"/>
+              <a:t>your</a:t>
+            </a:r>
+            <a:r>
+              <a:rPr lang="de-CH" dirty="0" smtClean="0"/>
+              <a:t> </a:t>
+            </a:r>
+            <a:r>
+              <a:rPr lang="de-CH" dirty="0" err="1" smtClean="0"/>
+              <a:t>analysis</a:t>
+            </a:r>
+            <a:r>
+              <a:rPr lang="de-CH" dirty="0" smtClean="0"/>
+              <a:t>, </a:t>
+            </a:r>
+            <a:r>
+              <a:rPr lang="de-CH" dirty="0" err="1" smtClean="0"/>
+              <a:t>we</a:t>
+            </a:r>
+            <a:r>
+              <a:rPr lang="de-CH" dirty="0" smtClean="0"/>
+              <a:t> </a:t>
+            </a:r>
+            <a:r>
+              <a:rPr lang="de-CH" dirty="0" err="1" smtClean="0"/>
+              <a:t>repeated</a:t>
+            </a:r>
+            <a:r>
+              <a:rPr lang="de-CH" dirty="0" smtClean="0"/>
+              <a:t> </a:t>
+            </a:r>
+            <a:r>
+              <a:rPr lang="de-CH" err="1" smtClean="0"/>
+              <a:t>your</a:t>
+            </a:r>
+            <a:r>
+              <a:rPr lang="de-CH" smtClean="0"/>
+              <a:t> calculations. </a:t>
+            </a:r>
+            <a:r>
+              <a:rPr lang="de-CH" dirty="0" smtClean="0"/>
+              <a:t>Due </a:t>
+            </a:r>
+            <a:r>
+              <a:rPr lang="de-CH" dirty="0" err="1" smtClean="0"/>
+              <a:t>to</a:t>
+            </a:r>
+            <a:r>
+              <a:rPr lang="de-CH" dirty="0" smtClean="0"/>
+              <a:t> </a:t>
+            </a:r>
+            <a:r>
+              <a:rPr lang="de-CH" dirty="0" err="1" smtClean="0"/>
+              <a:t>violation</a:t>
+            </a:r>
+            <a:r>
+              <a:rPr lang="de-CH" dirty="0" smtClean="0"/>
+              <a:t> </a:t>
+            </a:r>
+            <a:r>
+              <a:rPr lang="de-CH" dirty="0" err="1" smtClean="0"/>
+              <a:t>of</a:t>
+            </a:r>
+            <a:r>
+              <a:rPr lang="de-CH" dirty="0" smtClean="0"/>
+              <a:t> </a:t>
+            </a:r>
+            <a:r>
+              <a:rPr lang="de-CH" err="1" smtClean="0"/>
+              <a:t>various</a:t>
+            </a:r>
+            <a:r>
+              <a:rPr lang="de-CH" smtClean="0"/>
+              <a:t> assumptions, your regression results are neither trustworthy nor worth anything else. Perhaps </a:t>
+            </a:r>
+            <a:r>
+              <a:rPr lang="de-CH" i="1" smtClean="0"/>
+              <a:t>Mickey Mouse </a:t>
+            </a:r>
+            <a:r>
+              <a:rPr lang="de-CH" smtClean="0"/>
+              <a:t>might be a serious enough publisher for your research.</a:t>
+            </a:r>
+          </a:p>
+          <a:p>
+            <a:pPr marL="0" indent="0">
+              <a:buNone/>
+            </a:pPr>
+            <a:r>
+              <a:rPr lang="de-CH" smtClean="0"/>
+              <a:t>I suggest you a deal: If you find out yourself which assumptions are violated AND present an appropriate solution, I will further consider your Mickey Mouse  manuscript for publication.</a:t>
+            </a:r>
+          </a:p>
+          <a:p>
+            <a:pPr marL="0" indent="0">
+              <a:buNone/>
+            </a:pPr>
+            <a:r>
+              <a:rPr lang="de-CH" b="1" smtClean="0"/>
+              <a:t>Pledge for resubmit after major revision! Good luck and good speed!</a:t>
+            </a:r>
+          </a:p>
+          <a:p>
+            <a:pPr marL="0" indent="0">
+              <a:buNone/>
+            </a:pPr>
+            <a:endParaRPr lang="de-CH"/>
+          </a:p>
+          <a:p>
+            <a:pPr marL="0" indent="0">
+              <a:buNone/>
+            </a:pPr>
+            <a:r>
+              <a:rPr lang="de-CH" smtClean="0"/>
+              <a:t>p.s. To give you some hints, we give some thoughts on your data.</a:t>
+            </a:r>
+          </a:p>
+          <a:p>
+            <a:pPr marL="0" indent="0">
+              <a:buNone/>
+            </a:pPr>
+            <a:r>
+              <a:rPr lang="de-CH" smtClean="0"/>
+              <a:t>Let us discuss the issues in detail…</a:t>
+            </a:r>
+            <a:endParaRPr lang="de-CH" dirty="0" smtClean="0"/>
+          </a:p>
+          <a:p>
+            <a:pPr marL="0" indent="0">
+              <a:buNone/>
+            </a:pPr>
+            <a:r>
+              <a:rPr lang="de-CH" dirty="0"/>
+              <a:t> </a:t>
+            </a:r>
+          </a:p>
+        </p:txBody>
+      </p:sp>
+    </p:spTree>
+    <p:extLst>
+      <p:ext uri="{BB962C8B-B14F-4D97-AF65-F5344CB8AC3E}">
+        <p14:creationId xmlns:p14="http://schemas.microsoft.com/office/powerpoint/2010/main" val="2684147937"/>
+      </p:ext>
+    </p:extLst>
+  </p:cSld>
+  <p:clrMapOvr>
+    <a:masterClrMapping/>
+  </p:clrMapOvr>
+</p:sld>
+</file>
+
+<file path=ppt/slides/slide4.xml><?xml version="1.0" encoding="utf-8"?>
+<p:sld xmlns:a="http://schemas.openxmlformats.org/drawingml/2006/main" xmlns:r="http://schemas.openxmlformats.org/officeDocument/2006/relationships" xmlns:p="http://schemas.openxmlformats.org/presentationml/2006/main">
+  <p:cSld>
+    <p:spTree>
+      <p:nvGrpSpPr>
+        <p:cNvPr id="1" name=""/>
+        <p:cNvGrpSpPr/>
+        <p:nvPr/>
+      </p:nvGrpSpPr>
+      <p:grpSpPr>
+        <a:xfrm>
+          <a:off x="0" y="0"/>
+          <a:ext cx="0" cy="0"/>
+          <a:chOff x="0" y="0"/>
+          <a:chExt cx="0" cy="0"/>
+        </a:xfrm>
+      </p:grpSpPr>
+      <p:pic>
+        <p:nvPicPr>
+          <p:cNvPr id="2050" name="Picture 2" descr="C:\Users\petere\Documents\9IX_PM Meth Stats\Prese Gruezi15\ex.PNG"/>
+          <p:cNvPicPr>
+            <a:picLocks noChangeAspect="1" noChangeArrowheads="1"/>
+          </p:cNvPicPr>
+          <p:nvPr/>
+        </p:nvPicPr>
+        <p:blipFill>
+          <a:blip r:embed="rId2">
+            <a:extLst>
+              <a:ext uri="{28A0092B-C50C-407E-A947-70E740481C1C}">
+                <a14:useLocalDpi xmlns:a14="http://schemas.microsoft.com/office/drawing/2010/main" val="0"/>
+              </a:ext>
+            </a:extLst>
+          </a:blip>
+          <a:srcRect/>
+          <a:stretch>
+            <a:fillRect/>
+          </a:stretch>
+        </p:blipFill>
+        <p:spPr bwMode="auto">
+          <a:xfrm>
+            <a:off x="899592" y="2060848"/>
+            <a:ext cx="2057381" cy="3086072"/>
+          </a:xfrm>
+          <a:prstGeom prst="rect">
+            <a:avLst/>
+          </a:prstGeom>
+          <a:noFill/>
+          <a:extLst>
+            <a:ext uri="{909E8E84-426E-40DD-AFC4-6F175D3DCCD1}">
+              <a14:hiddenFill xmlns:a14="http://schemas.microsoft.com/office/drawing/2010/main">
+                <a:solidFill>
+                  <a:srgbClr val="FFFFFF"/>
+                </a:solidFill>
+              </a14:hiddenFill>
+            </a:ext>
+          </a:extLst>
+        </p:spPr>
+      </p:pic>
+      <p:pic>
+        <p:nvPicPr>
+          <p:cNvPr id="5" name="Picture 10" descr="\\eaw-homedirs\friedrma$\Desktop\Fotos\Laborwoche 2\IMG_0936.jpg"/>
+          <p:cNvPicPr>
+            <a:picLocks noChangeAspect="1" noChangeArrowheads="1"/>
+          </p:cNvPicPr>
+          <p:nvPr/>
+        </p:nvPicPr>
+        <p:blipFill>
+          <a:blip r:embed="rId3" cstate="print">
+            <a:extLst>
+              <a:ext uri="{28A0092B-C50C-407E-A947-70E740481C1C}">
+                <a14:useLocalDpi xmlns:a14="http://schemas.microsoft.com/office/drawing/2010/main" val="0"/>
+              </a:ext>
+            </a:extLst>
+          </a:blip>
+          <a:srcRect/>
+          <a:stretch>
+            <a:fillRect/>
+          </a:stretch>
+        </p:blipFill>
+        <p:spPr bwMode="auto">
+          <a:xfrm>
+            <a:off x="3349226" y="2564904"/>
+            <a:ext cx="2374902" cy="1781176"/>
+          </a:xfrm>
+          <a:prstGeom prst="rect">
+            <a:avLst/>
+          </a:prstGeom>
+          <a:noFill/>
+          <a:extLst>
+            <a:ext uri="{909E8E84-426E-40DD-AFC4-6F175D3DCCD1}">
+              <a14:hiddenFill xmlns:a14="http://schemas.microsoft.com/office/drawing/2010/main">
+                <a:solidFill>
+                  <a:srgbClr val="FFFFFF"/>
+                </a:solidFill>
+              </a14:hiddenFill>
+            </a:ext>
+          </a:extLst>
+        </p:spPr>
+      </p:pic>
+      <p:pic>
+        <p:nvPicPr>
+          <p:cNvPr id="6" name="Picture 3"/>
+          <p:cNvPicPr>
+            <a:picLocks noChangeAspect="1" noChangeArrowheads="1"/>
+          </p:cNvPicPr>
+          <p:nvPr/>
+        </p:nvPicPr>
+        <p:blipFill>
+          <a:blip r:embed="rId4">
+            <a:extLst>
+              <a:ext uri="{28A0092B-C50C-407E-A947-70E740481C1C}">
+                <a14:useLocalDpi xmlns:a14="http://schemas.microsoft.com/office/drawing/2010/main" val="0"/>
+              </a:ext>
+            </a:extLst>
+          </a:blip>
+          <a:srcRect/>
+          <a:stretch>
+            <a:fillRect/>
+          </a:stretch>
+        </p:blipFill>
+        <p:spPr bwMode="auto">
+          <a:xfrm>
+            <a:off x="6012160" y="2345829"/>
+            <a:ext cx="2362200" cy="2219325"/>
+          </a:xfrm>
+          <a:prstGeom prst="rect">
+            <a:avLst/>
+          </a:prstGeom>
+          <a:noFill/>
+          <a:ln>
+            <a:noFill/>
+          </a:ln>
+          <a:extLst>
+            <a:ext uri="{909E8E84-426E-40DD-AFC4-6F175D3DCCD1}">
+              <a14:hiddenFill xmlns:a14="http://schemas.microsoft.com/office/drawing/2010/main">
+                <a:solidFill>
+                  <a:schemeClr val="accent1"/>
+                </a:solidFill>
+              </a14:hiddenFill>
+            </a:ext>
+            <a:ext uri="{91240B29-F687-4F45-9708-019B960494DF}">
+              <a14:hiddenLine xmlns:a14="http://schemas.microsoft.com/office/drawing/2010/main" w="9525">
+                <a:solidFill>
+                  <a:schemeClr val="tx1"/>
+                </a:solidFill>
+                <a:miter lim="800000"/>
+                <a:headEnd/>
+                <a:tailEnd/>
+              </a14:hiddenLine>
+            </a:ext>
+          </a:extLst>
+        </p:spPr>
+      </p:pic>
+    </p:spTree>
+    <p:extLst>
+      <p:ext uri="{BB962C8B-B14F-4D97-AF65-F5344CB8AC3E}">
+        <p14:creationId xmlns:p14="http://schemas.microsoft.com/office/powerpoint/2010/main" val="2498797986"/>
+      </p:ext>
+    </p:extLst>
+  </p:cSld>
+  <p:clrMapOvr>
+    <a:masterClrMapping/>
+  </p:clrMapOvr>
+</p:sld>
+</file>
+
+<file path=ppt/slides/slide5.xml><?xml version="1.0" encoding="utf-8"?>
+<p:sld xmlns:a="http://schemas.openxmlformats.org/drawingml/2006/main" xmlns:r="http://schemas.openxmlformats.org/officeDocument/2006/relationships" xmlns:p="http://schemas.openxmlformats.org/presentationml/2006/main">
+  <p:cSld>
+    <p:spTree>
+      <p:nvGrpSpPr>
+        <p:cNvPr id="1" name=""/>
+        <p:cNvGrpSpPr/>
+        <p:nvPr/>
+      </p:nvGrpSpPr>
+      <p:grpSpPr>
+        <a:xfrm>
+          <a:off x="0" y="0"/>
+          <a:ext cx="0" cy="0"/>
+          <a:chOff x="0" y="0"/>
+          <a:chExt cx="0" cy="0"/>
+        </a:xfrm>
+      </p:grpSpPr>
+      <p:pic>
+        <p:nvPicPr>
+          <p:cNvPr id="3074" name="Picture 2" descr="C:\Users\petere\Documents\9IX_PM Meth Stats\Prese Gruezi15\aegeri.jpg"/>
+          <p:cNvPicPr>
+            <a:picLocks noChangeAspect="1" noChangeArrowheads="1"/>
+          </p:cNvPicPr>
+          <p:nvPr/>
+        </p:nvPicPr>
+        <p:blipFill>
+          <a:blip r:embed="rId2" cstate="print">
+            <a:extLst>
+              <a:ext uri="{28A0092B-C50C-407E-A947-70E740481C1C}">
+                <a14:useLocalDpi xmlns:a14="http://schemas.microsoft.com/office/drawing/2010/main" val="0"/>
+              </a:ext>
+            </a:extLst>
+          </a:blip>
+          <a:srcRect/>
+          <a:stretch>
+            <a:fillRect/>
+          </a:stretch>
+        </p:blipFill>
+        <p:spPr bwMode="auto">
+          <a:xfrm>
+            <a:off x="1763688" y="2780928"/>
+            <a:ext cx="1828800" cy="1228725"/>
+          </a:xfrm>
+          <a:prstGeom prst="rect">
+            <a:avLst/>
+          </a:prstGeom>
+          <a:noFill/>
+          <a:extLst>
+            <a:ext uri="{909E8E84-426E-40DD-AFC4-6F175D3DCCD1}">
+              <a14:hiddenFill xmlns:a14="http://schemas.microsoft.com/office/drawing/2010/main">
+                <a:solidFill>
+                  <a:srgbClr val="FFFFFF"/>
+                </a:solidFill>
+              </a14:hiddenFill>
+            </a:ext>
+          </a:extLst>
+        </p:spPr>
+      </p:pic>
+      <p:pic>
+        <p:nvPicPr>
+          <p:cNvPr id="3075" name="Picture 3" descr="C:\Users\petere\Documents\9IX_PM Meth Stats\Prese Gruezi15\rp.PNG"/>
+          <p:cNvPicPr>
+            <a:picLocks noChangeAspect="1" noChangeArrowheads="1"/>
+          </p:cNvPicPr>
+          <p:nvPr/>
+        </p:nvPicPr>
+        <p:blipFill>
+          <a:blip r:embed="rId3" cstate="print">
+            <a:extLst>
+              <a:ext uri="{28A0092B-C50C-407E-A947-70E740481C1C}">
+                <a14:useLocalDpi xmlns:a14="http://schemas.microsoft.com/office/drawing/2010/main" val="0"/>
+              </a:ext>
+            </a:extLst>
+          </a:blip>
+          <a:srcRect/>
+          <a:stretch>
+            <a:fillRect/>
+          </a:stretch>
+        </p:blipFill>
+        <p:spPr bwMode="auto">
+          <a:xfrm>
+            <a:off x="3631352" y="2680432"/>
+            <a:ext cx="2047048" cy="1429715"/>
+          </a:xfrm>
+          <a:prstGeom prst="rect">
+            <a:avLst/>
+          </a:prstGeom>
+          <a:noFill/>
+          <a:extLst>
+            <a:ext uri="{909E8E84-426E-40DD-AFC4-6F175D3DCCD1}">
+              <a14:hiddenFill xmlns:a14="http://schemas.microsoft.com/office/drawing/2010/main">
+                <a:solidFill>
+                  <a:srgbClr val="FFFFFF"/>
+                </a:solidFill>
+              </a14:hiddenFill>
+            </a:ext>
+          </a:extLst>
+        </p:spPr>
+      </p:pic>
+      <p:sp>
+        <p:nvSpPr>
+          <p:cNvPr id="4" name="AutoShape 5" descr="Image result for pizza essen"/>
+          <p:cNvSpPr>
+            <a:spLocks noChangeAspect="1" noChangeArrowheads="1"/>
+          </p:cNvSpPr>
+          <p:nvPr/>
+        </p:nvSpPr>
+        <p:spPr bwMode="auto">
+          <a:xfrm>
+            <a:off x="155575" y="-144463"/>
+            <a:ext cx="304800" cy="304801"/>
+          </a:xfrm>
+          <a:prstGeom prst="rect">
+            <a:avLst/>
+          </a:prstGeom>
+          <a:noFill/>
+          <a:extLst>
+            <a:ext uri="{909E8E84-426E-40DD-AFC4-6F175D3DCCD1}">
+              <a14:hiddenFill xmlns:a14="http://schemas.microsoft.com/office/drawing/2010/main">
+                <a:solidFill>
+                  <a:srgbClr val="FFFFFF"/>
+                </a:solidFill>
+              </a14:hiddenFill>
+            </a:ext>
+          </a:extLst>
+        </p:spPr>
+        <p:txBody>
+          <a:bodyPr vert="horz" wrap="square" lIns="91440" tIns="45720" rIns="91440" bIns="45720" numCol="1" anchor="t" anchorCtr="0" compatLnSpc="1">
+            <a:prstTxWarp prst="textNoShape">
+              <a:avLst/>
+            </a:prstTxWarp>
+          </a:bodyPr>
+          <a:lstStyle/>
+          <a:p>
+            <a:endParaRPr lang="de-CH"/>
+          </a:p>
+        </p:txBody>
+      </p:sp>
+      <p:sp>
+        <p:nvSpPr>
+          <p:cNvPr id="5" name="AutoShape 7" descr="Image result for pizza essen"/>
+          <p:cNvSpPr>
+            <a:spLocks noChangeAspect="1" noChangeArrowheads="1"/>
+          </p:cNvSpPr>
+          <p:nvPr/>
+        </p:nvSpPr>
+        <p:spPr bwMode="auto">
+          <a:xfrm>
+            <a:off x="307975" y="7937"/>
+            <a:ext cx="304800" cy="304801"/>
+          </a:xfrm>
+          <a:prstGeom prst="rect">
+            <a:avLst/>
+          </a:prstGeom>
+          <a:noFill/>
+          <a:extLst>
+            <a:ext uri="{909E8E84-426E-40DD-AFC4-6F175D3DCCD1}">
+              <a14:hiddenFill xmlns:a14="http://schemas.microsoft.com/office/drawing/2010/main">
+                <a:solidFill>
+                  <a:srgbClr val="FFFFFF"/>
+                </a:solidFill>
+              </a14:hiddenFill>
+            </a:ext>
+          </a:extLst>
+        </p:spPr>
+        <p:txBody>
+          <a:bodyPr vert="horz" wrap="square" lIns="91440" tIns="45720" rIns="91440" bIns="45720" numCol="1" anchor="t" anchorCtr="0" compatLnSpc="1">
+            <a:prstTxWarp prst="textNoShape">
+              <a:avLst/>
+            </a:prstTxWarp>
+          </a:bodyPr>
+          <a:lstStyle/>
+          <a:p>
+            <a:endParaRPr lang="de-CH"/>
+          </a:p>
+        </p:txBody>
+      </p:sp>
+      <p:sp>
+        <p:nvSpPr>
+          <p:cNvPr id="6" name="AutoShape 9" descr="Image result for pizza essen"/>
+          <p:cNvSpPr>
+            <a:spLocks noChangeAspect="1" noChangeArrowheads="1"/>
+          </p:cNvSpPr>
+          <p:nvPr/>
+        </p:nvSpPr>
+        <p:spPr bwMode="auto">
+          <a:xfrm>
+            <a:off x="460375" y="160337"/>
+            <a:ext cx="304800" cy="304801"/>
+          </a:xfrm>
+          <a:prstGeom prst="rect">
+            <a:avLst/>
+          </a:prstGeom>
+          <a:noFill/>
+          <a:extLst>
+            <a:ext uri="{909E8E84-426E-40DD-AFC4-6F175D3DCCD1}">
+              <a14:hiddenFill xmlns:a14="http://schemas.microsoft.com/office/drawing/2010/main">
+                <a:solidFill>
+                  <a:srgbClr val="FFFFFF"/>
+                </a:solidFill>
+              </a14:hiddenFill>
+            </a:ext>
+          </a:extLst>
+        </p:spPr>
+        <p:txBody>
+          <a:bodyPr vert="horz" wrap="square" lIns="91440" tIns="45720" rIns="91440" bIns="45720" numCol="1" anchor="t" anchorCtr="0" compatLnSpc="1">
+            <a:prstTxWarp prst="textNoShape">
+              <a:avLst/>
+            </a:prstTxWarp>
+          </a:bodyPr>
+          <a:lstStyle/>
+          <a:p>
+            <a:endParaRPr lang="de-CH"/>
+          </a:p>
+        </p:txBody>
+      </p:sp>
+      <p:pic>
+        <p:nvPicPr>
+          <p:cNvPr id="3082" name="Picture 10"/>
+          <p:cNvPicPr>
+            <a:picLocks noChangeAspect="1" noChangeArrowheads="1"/>
+          </p:cNvPicPr>
+          <p:nvPr/>
+        </p:nvPicPr>
+        <p:blipFill>
+          <a:blip r:embed="rId4">
+            <a:extLst>
+              <a:ext uri="{28A0092B-C50C-407E-A947-70E740481C1C}">
+                <a14:useLocalDpi xmlns:a14="http://schemas.microsoft.com/office/drawing/2010/main" val="0"/>
+              </a:ext>
+            </a:extLst>
+          </a:blip>
+          <a:srcRect/>
+          <a:stretch>
+            <a:fillRect/>
+          </a:stretch>
+        </p:blipFill>
+        <p:spPr bwMode="auto">
+          <a:xfrm>
+            <a:off x="5724957" y="2811150"/>
+            <a:ext cx="1801029" cy="1198503"/>
+          </a:xfrm>
+          <a:prstGeom prst="rect">
+            <a:avLst/>
+          </a:prstGeom>
+          <a:noFill/>
+          <a:ln>
+            <a:noFill/>
+          </a:ln>
+          <a:extLst>
+            <a:ext uri="{909E8E84-426E-40DD-AFC4-6F175D3DCCD1}">
+              <a14:hiddenFill xmlns:a14="http://schemas.microsoft.com/office/drawing/2010/main">
+                <a:solidFill>
+                  <a:schemeClr val="accent1"/>
+                </a:solidFill>
+              </a14:hiddenFill>
+            </a:ext>
+            <a:ext uri="{91240B29-F687-4F45-9708-019B960494DF}">
+              <a14:hiddenLine xmlns:a14="http://schemas.microsoft.com/office/drawing/2010/main" w="9525">
+                <a:solidFill>
+                  <a:schemeClr val="tx1"/>
+                </a:solidFill>
+                <a:miter lim="800000"/>
+                <a:headEnd/>
+                <a:tailEnd/>
+              </a14:hiddenLine>
+            </a:ext>
+          </a:extLst>
+        </p:spPr>
+      </p:pic>
+    </p:spTree>
+    <p:extLst>
+      <p:ext uri="{BB962C8B-B14F-4D97-AF65-F5344CB8AC3E}">
+        <p14:creationId xmlns:p14="http://schemas.microsoft.com/office/powerpoint/2010/main" val="368150640"/>
+      </p:ext>
+    </p:extLst>
+  </p:cSld>
+  <p:clrMapOvr>
+    <a:masterClrMapping/>
+  </p:clrMapOvr>
+</p:sld>
+</file>
+
+<file path=ppt/slides/slide6.xml><?xml version="1.0" encoding="utf-8"?>
+<p:sld xmlns:a="http://schemas.openxmlformats.org/drawingml/2006/main" xmlns:r="http://schemas.openxmlformats.org/officeDocument/2006/relationships" xmlns:p="http://schemas.openxmlformats.org/presentationml/2006/main">
+  <p:cSld>
+    <p:spTree>
+      <p:nvGrpSpPr>
+        <p:cNvPr id="1" name=""/>
+        <p:cNvGrpSpPr/>
+        <p:nvPr/>
+      </p:nvGrpSpPr>
+      <p:grpSpPr>
+        <a:xfrm>
+          <a:off x="0" y="0"/>
+          <a:ext cx="0" cy="0"/>
+          <a:chOff x="0" y="0"/>
+          <a:chExt cx="0" cy="0"/>
+        </a:xfrm>
+      </p:grpSpPr>
+      <p:pic>
+        <p:nvPicPr>
+          <p:cNvPr id="4102" name="Picture 6"/>
+          <p:cNvPicPr>
+            <a:picLocks noChangeAspect="1" noChangeArrowheads="1"/>
+          </p:cNvPicPr>
+          <p:nvPr/>
+        </p:nvPicPr>
+        <p:blipFill>
+          <a:blip r:embed="rId2" cstate="print">
+            <a:extLst>
+              <a:ext uri="{28A0092B-C50C-407E-A947-70E740481C1C}">
+                <a14:useLocalDpi xmlns:a14="http://schemas.microsoft.com/office/drawing/2010/main" val="0"/>
+              </a:ext>
+            </a:extLst>
+          </a:blip>
+          <a:srcRect/>
+          <a:stretch>
+            <a:fillRect/>
+          </a:stretch>
+        </p:blipFill>
+        <p:spPr bwMode="auto">
+          <a:xfrm>
+            <a:off x="2987824" y="2015827"/>
+            <a:ext cx="2592288" cy="1603397"/>
+          </a:xfrm>
+          <a:prstGeom prst="rect">
+            <a:avLst/>
+          </a:prstGeom>
+          <a:noFill/>
+          <a:ln>
+            <a:noFill/>
+          </a:ln>
+          <a:extLst>
+            <a:ext uri="{909E8E84-426E-40DD-AFC4-6F175D3DCCD1}">
+              <a14:hiddenFill xmlns:a14="http://schemas.microsoft.com/office/drawing/2010/main">
+                <a:solidFill>
+                  <a:schemeClr val="accent1"/>
+                </a:solidFill>
+              </a14:hiddenFill>
+            </a:ext>
+            <a:ext uri="{91240B29-F687-4F45-9708-019B960494DF}">
+              <a14:hiddenLine xmlns:a14="http://schemas.microsoft.com/office/drawing/2010/main" w="9525">
+                <a:solidFill>
+                  <a:schemeClr val="tx1"/>
+                </a:solidFill>
+                <a:miter lim="800000"/>
+                <a:headEnd/>
+                <a:tailEnd/>
+              </a14:hiddenLine>
+            </a:ext>
+          </a:extLst>
+        </p:spPr>
+      </p:pic>
+      <p:pic>
+        <p:nvPicPr>
+          <p:cNvPr id="4098" name="Picture 2" descr="C:\Users\petere\Documents\9IX_PM Meth Stats\Prese Gruezi15\fi.PNG"/>
+          <p:cNvPicPr>
+            <a:picLocks noChangeAspect="1" noChangeArrowheads="1"/>
+          </p:cNvPicPr>
+          <p:nvPr/>
+        </p:nvPicPr>
+        <p:blipFill>
+          <a:blip r:embed="rId3">
+            <a:extLst>
+              <a:ext uri="{28A0092B-C50C-407E-A947-70E740481C1C}">
+                <a14:useLocalDpi xmlns:a14="http://schemas.microsoft.com/office/drawing/2010/main" val="0"/>
+              </a:ext>
+            </a:extLst>
+          </a:blip>
+          <a:srcRect/>
+          <a:stretch>
+            <a:fillRect/>
+          </a:stretch>
+        </p:blipFill>
+        <p:spPr bwMode="auto">
+          <a:xfrm>
+            <a:off x="755576" y="3789040"/>
+            <a:ext cx="4104456" cy="1198057"/>
+          </a:xfrm>
+          <a:prstGeom prst="rect">
+            <a:avLst/>
+          </a:prstGeom>
+          <a:noFill/>
+          <a:extLst>
+            <a:ext uri="{909E8E84-426E-40DD-AFC4-6F175D3DCCD1}">
+              <a14:hiddenFill xmlns:a14="http://schemas.microsoft.com/office/drawing/2010/main">
+                <a:solidFill>
+                  <a:srgbClr val="FFFFFF"/>
+                </a:solidFill>
+              </a14:hiddenFill>
+            </a:ext>
+          </a:extLst>
+        </p:spPr>
+      </p:pic>
+      <p:pic>
+        <p:nvPicPr>
+          <p:cNvPr id="4099" name="Picture 3" descr="C:\Users\petere\Documents\9IX_PM Meth Stats\Prese Gruezi15\el.PNG"/>
+          <p:cNvPicPr>
+            <a:picLocks noChangeAspect="1" noChangeArrowheads="1"/>
+          </p:cNvPicPr>
+          <p:nvPr/>
+        </p:nvPicPr>
+        <p:blipFill>
+          <a:blip r:embed="rId4">
+            <a:extLst>
+              <a:ext uri="{28A0092B-C50C-407E-A947-70E740481C1C}">
+                <a14:useLocalDpi xmlns:a14="http://schemas.microsoft.com/office/drawing/2010/main" val="0"/>
+              </a:ext>
+            </a:extLst>
+          </a:blip>
+          <a:srcRect/>
+          <a:stretch>
+            <a:fillRect/>
+          </a:stretch>
+        </p:blipFill>
+        <p:spPr bwMode="auto">
+          <a:xfrm>
+            <a:off x="611560" y="2060848"/>
+            <a:ext cx="3013272" cy="1513357"/>
+          </a:xfrm>
+          <a:prstGeom prst="rect">
+            <a:avLst/>
+          </a:prstGeom>
+          <a:noFill/>
+          <a:extLst>
+            <a:ext uri="{909E8E84-426E-40DD-AFC4-6F175D3DCCD1}">
+              <a14:hiddenFill xmlns:a14="http://schemas.microsoft.com/office/drawing/2010/main">
+                <a:solidFill>
+                  <a:srgbClr val="FFFFFF"/>
+                </a:solidFill>
+              </a14:hiddenFill>
+            </a:ext>
+          </a:extLst>
+        </p:spPr>
+      </p:pic>
+      <p:pic>
+        <p:nvPicPr>
+          <p:cNvPr id="4100" name="Picture 4" descr="C:\Users\petere\Documents\9IX_PM Meth Stats\Prese Gruezi15\mo.PNG"/>
+          <p:cNvPicPr>
+            <a:picLocks noChangeAspect="1" noChangeArrowheads="1"/>
+          </p:cNvPicPr>
+          <p:nvPr/>
+        </p:nvPicPr>
+        <p:blipFill>
+          <a:blip r:embed="rId5">
+            <a:extLst>
+              <a:ext uri="{28A0092B-C50C-407E-A947-70E740481C1C}">
+                <a14:useLocalDpi xmlns:a14="http://schemas.microsoft.com/office/drawing/2010/main" val="0"/>
+              </a:ext>
+            </a:extLst>
+          </a:blip>
+          <a:srcRect/>
+          <a:stretch>
+            <a:fillRect/>
+          </a:stretch>
+        </p:blipFill>
+        <p:spPr bwMode="auto">
+          <a:xfrm>
+            <a:off x="5148064" y="2239184"/>
+            <a:ext cx="3168352" cy="2148884"/>
+          </a:xfrm>
+          <a:prstGeom prst="rect">
+            <a:avLst/>
+          </a:prstGeom>
+          <a:noFill/>
+          <a:extLst>
+            <a:ext uri="{909E8E84-426E-40DD-AFC4-6F175D3DCCD1}">
+              <a14:hiddenFill xmlns:a14="http://schemas.microsoft.com/office/drawing/2010/main">
+                <a:solidFill>
+                  <a:srgbClr val="FFFFFF"/>
+                </a:solidFill>
+              </a14:hiddenFill>
+            </a:ext>
+          </a:extLst>
+        </p:spPr>
+      </p:pic>
+    </p:spTree>
+    <p:extLst>
+      <p:ext uri="{BB962C8B-B14F-4D97-AF65-F5344CB8AC3E}">
+        <p14:creationId xmlns:p14="http://schemas.microsoft.com/office/powerpoint/2010/main" val="4192601245"/>
+      </p:ext>
+    </p:extLst>
+  </p:cSld>
+  <p:clrMapOvr>
+    <a:masterClrMapping/>
+  </p:clrMapOvr>
+</p:sld>
+</file>
+
+<file path=ppt/slides/slide7.xml><?xml version="1.0" encoding="utf-8"?>
+<p:sld xmlns:a="http://schemas.openxmlformats.org/drawingml/2006/main" xmlns:r="http://schemas.openxmlformats.org/officeDocument/2006/relationships" xmlns:p="http://schemas.openxmlformats.org/presentationml/2006/main">
+  <p:cSld>
+    <p:spTree>
+      <p:nvGrpSpPr>
+        <p:cNvPr id="1" name=""/>
+        <p:cNvGrpSpPr/>
+        <p:nvPr/>
+      </p:nvGrpSpPr>
+      <p:grpSpPr>
+        <a:xfrm>
+          <a:off x="0" y="0"/>
+          <a:ext cx="0" cy="0"/>
+          <a:chOff x="0" y="0"/>
+          <a:chExt cx="0" cy="0"/>
+        </a:xfrm>
+      </p:grpSpPr>
+      <p:pic>
+        <p:nvPicPr>
+          <p:cNvPr id="4" name="Picture 2" descr="C:\Users\petere\Documents\9IX_PM Meth Stats\Prese Gruezi15\fi.PNG"/>
+          <p:cNvPicPr>
+            <a:picLocks noChangeAspect="1" noChangeArrowheads="1"/>
+          </p:cNvPicPr>
+          <p:nvPr/>
+        </p:nvPicPr>
+        <p:blipFill>
+          <a:blip r:embed="rId2">
+            <a:extLst>
+              <a:ext uri="{28A0092B-C50C-407E-A947-70E740481C1C}">
+                <a14:useLocalDpi xmlns:a14="http://schemas.microsoft.com/office/drawing/2010/main" val="0"/>
+              </a:ext>
+            </a:extLst>
+          </a:blip>
+          <a:srcRect/>
+          <a:stretch>
+            <a:fillRect/>
+          </a:stretch>
+        </p:blipFill>
+        <p:spPr bwMode="auto">
+          <a:xfrm>
+            <a:off x="323528" y="2492897"/>
+            <a:ext cx="4392488" cy="1282132"/>
+          </a:xfrm>
+          <a:prstGeom prst="rect">
+            <a:avLst/>
+          </a:prstGeom>
+          <a:noFill/>
+          <a:extLst>
+            <a:ext uri="{909E8E84-426E-40DD-AFC4-6F175D3DCCD1}">
+              <a14:hiddenFill xmlns:a14="http://schemas.microsoft.com/office/drawing/2010/main">
+                <a:solidFill>
+                  <a:srgbClr val="FFFFFF"/>
+                </a:solidFill>
+              </a14:hiddenFill>
+            </a:ext>
+          </a:extLst>
+        </p:spPr>
+      </p:pic>
+    </p:spTree>
+    <p:extLst>
+      <p:ext uri="{BB962C8B-B14F-4D97-AF65-F5344CB8AC3E}">
+        <p14:creationId xmlns:p14="http://schemas.microsoft.com/office/powerpoint/2010/main" val="481697115"/>
+      </p:ext>
+    </p:extLst>
+  </p:cSld>
+  <p:clrMapOvr>
+    <a:masterClrMapping/>
+  </p:clrMapOvr>
+</p:sld>
+</file>
+
 <file path=ppt/theme/theme1.xml><?xml version="1.0" encoding="utf-8"?>
 <a:theme xmlns:a="http://schemas.openxmlformats.org/drawingml/2006/main" name="Office Theme">
   <a:themeElements>
